--- a/Docs/NEO Persistable Classes 2.0 Platform for Python v0.1.pptx
+++ b/Docs/NEO Persistable Classes 2.0 Platform for Python v0.1.pptx
@@ -5,10 +5,10 @@
     <p:sldMasterId id="2147483648" r:id="rId1"/>
   </p:sldMasterIdLst>
   <p:notesMasterIdLst>
-    <p:notesMasterId r:id="rId8"/>
+    <p:notesMasterId r:id="rId9"/>
   </p:notesMasterIdLst>
   <p:handoutMasterIdLst>
-    <p:handoutMasterId r:id="rId9"/>
+    <p:handoutMasterId r:id="rId10"/>
   </p:handoutMasterIdLst>
   <p:sldIdLst>
     <p:sldId id="325" r:id="rId2"/>
@@ -16,7 +16,8 @@
     <p:sldId id="501" r:id="rId4"/>
     <p:sldId id="502" r:id="rId5"/>
     <p:sldId id="503" r:id="rId6"/>
-    <p:sldId id="263" r:id="rId7"/>
+    <p:sldId id="504" r:id="rId7"/>
+    <p:sldId id="263" r:id="rId8"/>
   </p:sldIdLst>
   <p:sldSz cx="12192000" cy="6858000"/>
   <p:notesSz cx="7315200" cy="9601200"/>
@@ -7439,8 +7440,8 @@
         </p:nvSpPr>
         <p:spPr>
           <a:xfrm>
-            <a:off x="677334" y="451513"/>
-            <a:ext cx="8596668" cy="1320800"/>
+            <a:off x="677334" y="548639"/>
+            <a:ext cx="8596668" cy="1223673"/>
           </a:xfrm>
         </p:spPr>
         <p:txBody>
@@ -7588,7 +7589,12 @@
             <p:ph type="title"/>
           </p:nvPr>
         </p:nvSpPr>
-        <p:spPr/>
+        <p:spPr>
+          <a:xfrm>
+            <a:off x="677334" y="548640"/>
+            <a:ext cx="8596668" cy="1390904"/>
+          </a:xfrm>
+        </p:spPr>
         <p:txBody>
           <a:bodyPr>
             <a:normAutofit/>
@@ -7780,6 +7786,285 @@
 </file>
 
 <file path=ppt/slides/slide6.xml><?xml version="1.0" encoding="utf-8"?>
+<p:sld xmlns:a="http://schemas.openxmlformats.org/drawingml/2006/main" xmlns:r="http://schemas.openxmlformats.org/officeDocument/2006/relationships" xmlns:p="http://schemas.openxmlformats.org/presentationml/2006/main">
+  <p:cSld>
+    <p:spTree>
+      <p:nvGrpSpPr>
+        <p:cNvPr id="1" name=""/>
+        <p:cNvGrpSpPr/>
+        <p:nvPr/>
+      </p:nvGrpSpPr>
+      <p:grpSpPr>
+        <a:xfrm>
+          <a:off x="0" y="0"/>
+          <a:ext cx="0" cy="0"/>
+          <a:chOff x="0" y="0"/>
+          <a:chExt cx="0" cy="0"/>
+        </a:xfrm>
+      </p:grpSpPr>
+      <p:sp>
+        <p:nvSpPr>
+          <p:cNvPr id="2" name="Title 1">
+            <a:extLst>
+              <a:ext uri="{FF2B5EF4-FFF2-40B4-BE49-F238E27FC236}">
+                <a16:creationId xmlns:a16="http://schemas.microsoft.com/office/drawing/2014/main" id="{7194902D-257F-4F3D-93E3-E411311D72C8}"/>
+              </a:ext>
+            </a:extLst>
+          </p:cNvPr>
+          <p:cNvSpPr>
+            <a:spLocks noGrp="1"/>
+          </p:cNvSpPr>
+          <p:nvPr>
+            <p:ph type="title"/>
+          </p:nvPr>
+        </p:nvSpPr>
+        <p:spPr>
+          <a:xfrm>
+            <a:off x="677334" y="548640"/>
+            <a:ext cx="10304430" cy="1082936"/>
+          </a:xfrm>
+        </p:spPr>
+        <p:txBody>
+          <a:bodyPr>
+            <a:noAutofit/>
+          </a:bodyPr>
+          <a:lstStyle/>
+          <a:p>
+            <a:r>
+              <a:rPr lang="en-CA" dirty="0"/>
+              <a:t>10. </a:t>
+            </a:r>
+            <a:r>
+              <a:rPr lang="en-US" dirty="0"/>
+              <a:t>Manually translate/port the C#</a:t>
+            </a:r>
+            <a:br>
+              <a:rPr lang="en-US" dirty="0"/>
+            </a:br>
+            <a:r>
+              <a:rPr lang="en-US" sz="2000" dirty="0"/>
+              <a:t>from	NPC.mwherman2000.NEP5Token.Contract</a:t>
+            </a:r>
+            <a:br>
+              <a:rPr lang="en-US" sz="2000" dirty="0"/>
+            </a:br>
+            <a:r>
+              <a:rPr lang="en-US" sz="2000" dirty="0"/>
+              <a:t>to		NPC.mwherman2000.NEP5Token.ManualPContract </a:t>
+            </a:r>
+            <a:br>
+              <a:rPr lang="en-US" sz="2000" dirty="0"/>
+            </a:br>
+            <a:endParaRPr lang="en-CA" sz="2000" dirty="0"/>
+          </a:p>
+        </p:txBody>
+      </p:sp>
+      <p:sp>
+        <p:nvSpPr>
+          <p:cNvPr id="7" name="Content Placeholder 6">
+            <a:extLst>
+              <a:ext uri="{FF2B5EF4-FFF2-40B4-BE49-F238E27FC236}">
+                <a16:creationId xmlns:a16="http://schemas.microsoft.com/office/drawing/2014/main" id="{F2F5EF5E-C09D-41AC-A58F-1FF484CD2706}"/>
+              </a:ext>
+            </a:extLst>
+          </p:cNvPr>
+          <p:cNvSpPr>
+            <a:spLocks noGrp="1"/>
+          </p:cNvSpPr>
+          <p:nvPr>
+            <p:ph idx="1"/>
+          </p:nvPr>
+        </p:nvSpPr>
+        <p:spPr>
+          <a:xfrm>
+            <a:off x="8287961" y="1801907"/>
+            <a:ext cx="3096319" cy="4239456"/>
+          </a:xfrm>
+        </p:spPr>
+        <p:txBody>
+          <a:bodyPr/>
+          <a:lstStyle/>
+          <a:p>
+            <a:endParaRPr lang="en-CA" dirty="0"/>
+          </a:p>
+          <a:p>
+            <a:endParaRPr lang="en-CA" dirty="0"/>
+          </a:p>
+          <a:p>
+            <a:endParaRPr lang="en-CA" dirty="0"/>
+          </a:p>
+          <a:p>
+            <a:endParaRPr lang="en-CA" dirty="0"/>
+          </a:p>
+          <a:p>
+            <a:endParaRPr lang="en-CA" dirty="0"/>
+          </a:p>
+          <a:p>
+            <a:endParaRPr lang="en-CA" dirty="0"/>
+          </a:p>
+          <a:p>
+            <a:pPr marL="0" indent="0">
+              <a:buNone/>
+            </a:pPr>
+            <a:r>
+              <a:rPr lang="en-CA" dirty="0"/>
+              <a:t>&lt; Translate these 5 C# files</a:t>
+            </a:r>
+          </a:p>
+          <a:p>
+            <a:pPr marL="0" indent="0">
+              <a:buNone/>
+            </a:pPr>
+            <a:endParaRPr lang="en-CA" dirty="0"/>
+          </a:p>
+          <a:p>
+            <a:pPr marL="0" indent="0">
+              <a:buNone/>
+            </a:pPr>
+            <a:r>
+              <a:rPr lang="en-CA" dirty="0"/>
+              <a:t>&lt; into this </a:t>
+            </a:r>
+            <a:r>
+              <a:rPr lang="en-CA"/>
+              <a:t>Python project</a:t>
+            </a:r>
+            <a:endParaRPr lang="en-CA" dirty="0"/>
+          </a:p>
+        </p:txBody>
+      </p:sp>
+      <p:sp>
+        <p:nvSpPr>
+          <p:cNvPr id="3" name="Date Placeholder 2">
+            <a:extLst>
+              <a:ext uri="{FF2B5EF4-FFF2-40B4-BE49-F238E27FC236}">
+                <a16:creationId xmlns:a16="http://schemas.microsoft.com/office/drawing/2014/main" id="{89A3787A-C998-4C2A-8153-F65380B0CE68}"/>
+              </a:ext>
+            </a:extLst>
+          </p:cNvPr>
+          <p:cNvSpPr>
+            <a:spLocks noGrp="1"/>
+          </p:cNvSpPr>
+          <p:nvPr>
+            <p:ph type="dt" sz="half" idx="10"/>
+          </p:nvPr>
+        </p:nvSpPr>
+        <p:spPr/>
+        <p:txBody>
+          <a:bodyPr/>
+          <a:lstStyle/>
+          <a:p>
+            <a:fld id="{44AB30DC-B16B-4253-B4A3-00AC9B41F11F}" type="datetime1">
+              <a:rPr lang="en-US" smtClean="0"/>
+              <a:t>4/13/2018</a:t>
+            </a:fld>
+            <a:endParaRPr lang="en-US" dirty="0"/>
+          </a:p>
+        </p:txBody>
+      </p:sp>
+      <p:sp>
+        <p:nvSpPr>
+          <p:cNvPr id="4" name="Footer Placeholder 3">
+            <a:extLst>
+              <a:ext uri="{FF2B5EF4-FFF2-40B4-BE49-F238E27FC236}">
+                <a16:creationId xmlns:a16="http://schemas.microsoft.com/office/drawing/2014/main" id="{0CAC5913-4ECC-4673-91CE-5CA5CC78226E}"/>
+              </a:ext>
+            </a:extLst>
+          </p:cNvPr>
+          <p:cNvSpPr>
+            <a:spLocks noGrp="1"/>
+          </p:cNvSpPr>
+          <p:nvPr>
+            <p:ph type="ftr" sz="quarter" idx="11"/>
+          </p:nvPr>
+        </p:nvSpPr>
+        <p:spPr/>
+        <p:txBody>
+          <a:bodyPr/>
+          <a:lstStyle/>
+          <a:p>
+            <a:r>
+              <a:rPr lang="en-US"/>
+              <a:t>NEO C# NET Developers Center of Excellence</a:t>
+            </a:r>
+            <a:endParaRPr lang="en-US" dirty="0"/>
+          </a:p>
+        </p:txBody>
+      </p:sp>
+      <p:sp>
+        <p:nvSpPr>
+          <p:cNvPr id="5" name="Slide Number Placeholder 4">
+            <a:extLst>
+              <a:ext uri="{FF2B5EF4-FFF2-40B4-BE49-F238E27FC236}">
+                <a16:creationId xmlns:a16="http://schemas.microsoft.com/office/drawing/2014/main" id="{FCCC5FF7-68E8-416B-93FE-A36393782B09}"/>
+              </a:ext>
+            </a:extLst>
+          </p:cNvPr>
+          <p:cNvSpPr>
+            <a:spLocks noGrp="1"/>
+          </p:cNvSpPr>
+          <p:nvPr>
+            <p:ph type="sldNum" sz="quarter" idx="12"/>
+          </p:nvPr>
+        </p:nvSpPr>
+        <p:spPr/>
+        <p:txBody>
+          <a:bodyPr/>
+          <a:lstStyle/>
+          <a:p>
+            <a:fld id="{D57F1E4F-1CFF-5643-939E-217C01CDF565}" type="slidenum">
+              <a:rPr lang="en-US" smtClean="0"/>
+              <a:pPr/>
+              <a:t>6</a:t>
+            </a:fld>
+            <a:endParaRPr lang="en-US" dirty="0"/>
+          </a:p>
+        </p:txBody>
+      </p:sp>
+      <p:pic>
+        <p:nvPicPr>
+          <p:cNvPr id="6" name="Picture 5">
+            <a:extLst>
+              <a:ext uri="{FF2B5EF4-FFF2-40B4-BE49-F238E27FC236}">
+                <a16:creationId xmlns:a16="http://schemas.microsoft.com/office/drawing/2014/main" id="{AB203348-4798-4A58-BEC5-A5A088814278}"/>
+              </a:ext>
+            </a:extLst>
+          </p:cNvPr>
+          <p:cNvPicPr>
+            <a:picLocks noChangeAspect="1"/>
+          </p:cNvPicPr>
+          <p:nvPr/>
+        </p:nvPicPr>
+        <p:blipFill>
+          <a:blip r:embed="rId2"/>
+          <a:stretch>
+            <a:fillRect/>
+          </a:stretch>
+        </p:blipFill>
+        <p:spPr>
+          <a:xfrm>
+            <a:off x="677334" y="1755648"/>
+            <a:ext cx="7380440" cy="5400000"/>
+          </a:xfrm>
+          <a:prstGeom prst="rect">
+            <a:avLst/>
+          </a:prstGeom>
+        </p:spPr>
+      </p:pic>
+    </p:spTree>
+    <p:extLst>
+      <p:ext uri="{BB962C8B-B14F-4D97-AF65-F5344CB8AC3E}">
+        <p14:creationId xmlns:p14="http://schemas.microsoft.com/office/powerpoint/2010/main" val="4288040502"/>
+      </p:ext>
+    </p:extLst>
+  </p:cSld>
+  <p:clrMapOvr>
+    <a:masterClrMapping/>
+  </p:clrMapOvr>
+</p:sld>
+</file>
+
+<file path=ppt/slides/slide7.xml><?xml version="1.0" encoding="utf-8"?>
 <p:sld xmlns:a="http://schemas.openxmlformats.org/drawingml/2006/main" xmlns:r="http://schemas.openxmlformats.org/officeDocument/2006/relationships" xmlns:p="http://schemas.openxmlformats.org/presentationml/2006/main">
   <p:cSld>
     <p:spTree>
